--- a/Presentación UniversiDATA.pptx
+++ b/Presentación UniversiDATA.pptx
@@ -228,7 +228,7 @@
           <a:p>
             <a:fld id="{4C762B50-8979-6B4B-9064-D6354BCD4C1B}" type="datetimeFigureOut">
               <a:rPr lang="es-ES_tradnl" smtClean="0"/>
-              <a:t>22/1/25</a:t>
+              <a:t>2/2/25</a:t>
             </a:fld>
             <a:endParaRPr lang="es-ES_tradnl"/>
           </a:p>
@@ -405,7 +405,7 @@
           <a:p>
             <a:fld id="{8B93E678-255A-4818-BC97-13B3298617C6}" type="datetimeFigureOut">
               <a:rPr lang="es-ES" smtClean="0"/>
-              <a:t>22/1/25</a:t>
+              <a:t>2/2/25</a:t>
             </a:fld>
             <a:endParaRPr lang="es-ES"/>
           </a:p>
@@ -819,7 +819,7 @@
           <a:p>
             <a:fld id="{93529130-F50A-459F-8E1C-83CE9558D840}" type="datetimeFigureOut">
               <a:rPr lang="es-ES" smtClean="0"/>
-              <a:t>22/1/25</a:t>
+              <a:t>2/2/25</a:t>
             </a:fld>
             <a:endParaRPr lang="es-ES"/>
           </a:p>
@@ -1017,7 +1017,7 @@
           <a:p>
             <a:fld id="{93529130-F50A-459F-8E1C-83CE9558D840}" type="datetimeFigureOut">
               <a:rPr lang="es-ES" smtClean="0"/>
-              <a:t>22/1/25</a:t>
+              <a:t>2/2/25</a:t>
             </a:fld>
             <a:endParaRPr lang="es-ES"/>
           </a:p>
@@ -1225,7 +1225,7 @@
           <a:p>
             <a:fld id="{93529130-F50A-459F-8E1C-83CE9558D840}" type="datetimeFigureOut">
               <a:rPr lang="es-ES" smtClean="0"/>
-              <a:t>22/1/25</a:t>
+              <a:t>2/2/25</a:t>
             </a:fld>
             <a:endParaRPr lang="es-ES"/>
           </a:p>
@@ -1423,7 +1423,7 @@
           <a:p>
             <a:fld id="{93529130-F50A-459F-8E1C-83CE9558D840}" type="datetimeFigureOut">
               <a:rPr lang="es-ES" smtClean="0"/>
-              <a:t>22/1/25</a:t>
+              <a:t>2/2/25</a:t>
             </a:fld>
             <a:endParaRPr lang="es-ES"/>
           </a:p>
@@ -1698,7 +1698,7 @@
           <a:p>
             <a:fld id="{93529130-F50A-459F-8E1C-83CE9558D840}" type="datetimeFigureOut">
               <a:rPr lang="es-ES" smtClean="0"/>
-              <a:t>22/1/25</a:t>
+              <a:t>2/2/25</a:t>
             </a:fld>
             <a:endParaRPr lang="es-ES"/>
           </a:p>
@@ -1963,7 +1963,7 @@
           <a:p>
             <a:fld id="{93529130-F50A-459F-8E1C-83CE9558D840}" type="datetimeFigureOut">
               <a:rPr lang="es-ES" smtClean="0"/>
-              <a:t>22/1/25</a:t>
+              <a:t>2/2/25</a:t>
             </a:fld>
             <a:endParaRPr lang="es-ES"/>
           </a:p>
@@ -2375,7 +2375,7 @@
           <a:p>
             <a:fld id="{93529130-F50A-459F-8E1C-83CE9558D840}" type="datetimeFigureOut">
               <a:rPr lang="es-ES" smtClean="0"/>
-              <a:t>22/1/25</a:t>
+              <a:t>2/2/25</a:t>
             </a:fld>
             <a:endParaRPr lang="es-ES"/>
           </a:p>
@@ -2516,7 +2516,7 @@
           <a:p>
             <a:fld id="{93529130-F50A-459F-8E1C-83CE9558D840}" type="datetimeFigureOut">
               <a:rPr lang="es-ES" smtClean="0"/>
-              <a:t>22/1/25</a:t>
+              <a:t>2/2/25</a:t>
             </a:fld>
             <a:endParaRPr lang="es-ES"/>
           </a:p>
@@ -2629,7 +2629,7 @@
           <a:p>
             <a:fld id="{93529130-F50A-459F-8E1C-83CE9558D840}" type="datetimeFigureOut">
               <a:rPr lang="es-ES" smtClean="0"/>
-              <a:t>22/1/25</a:t>
+              <a:t>2/2/25</a:t>
             </a:fld>
             <a:endParaRPr lang="es-ES"/>
           </a:p>
@@ -2940,7 +2940,7 @@
           <a:p>
             <a:fld id="{93529130-F50A-459F-8E1C-83CE9558D840}" type="datetimeFigureOut">
               <a:rPr lang="es-ES" smtClean="0"/>
-              <a:t>22/1/25</a:t>
+              <a:t>2/2/25</a:t>
             </a:fld>
             <a:endParaRPr lang="es-ES"/>
           </a:p>
@@ -3228,7 +3228,7 @@
           <a:p>
             <a:fld id="{93529130-F50A-459F-8E1C-83CE9558D840}" type="datetimeFigureOut">
               <a:rPr lang="es-ES" smtClean="0"/>
-              <a:t>22/1/25</a:t>
+              <a:t>2/2/25</a:t>
             </a:fld>
             <a:endParaRPr lang="es-ES"/>
           </a:p>
@@ -3469,7 +3469,7 @@
           <a:p>
             <a:fld id="{93529130-F50A-459F-8E1C-83CE9558D840}" type="datetimeFigureOut">
               <a:rPr lang="es-ES" smtClean="0"/>
-              <a:t>22/1/25</a:t>
+              <a:t>2/2/25</a:t>
             </a:fld>
             <a:endParaRPr lang="es-ES"/>
           </a:p>
@@ -10898,7 +10898,7 @@
                                           </p:stCondLst>
                                         </p:cTn>
                                         <p:tgtEl>
-                                          <p:spTgt spid="21"/>
+                                          <p:spTgt spid="23"/>
                                         </p:tgtEl>
                                         <p:attrNameLst>
                                           <p:attrName>style.visibility</p:attrName>
@@ -10912,7 +10912,7 @@
                                       <p:cBhvr>
                                         <p:cTn id="49" dur="1000"/>
                                         <p:tgtEl>
-                                          <p:spTgt spid="21"/>
+                                          <p:spTgt spid="23"/>
                                         </p:tgtEl>
                                       </p:cBhvr>
                                     </p:animEffect>
@@ -10933,7 +10933,7 @@
                                           </p:stCondLst>
                                         </p:cTn>
                                         <p:tgtEl>
-                                          <p:spTgt spid="22"/>
+                                          <p:spTgt spid="24"/>
                                         </p:tgtEl>
                                         <p:attrNameLst>
                                           <p:attrName>style.visibility</p:attrName>
@@ -10947,7 +10947,7 @@
                                       <p:cBhvr>
                                         <p:cTn id="52" dur="1000"/>
                                         <p:tgtEl>
-                                          <p:spTgt spid="22"/>
+                                          <p:spTgt spid="24"/>
                                         </p:tgtEl>
                                       </p:cBhvr>
                                     </p:animEffect>
@@ -10968,7 +10968,7 @@
                                           </p:stCondLst>
                                         </p:cTn>
                                         <p:tgtEl>
-                                          <p:spTgt spid="23"/>
+                                          <p:spTgt spid="25"/>
                                         </p:tgtEl>
                                         <p:attrNameLst>
                                           <p:attrName>style.visibility</p:attrName>
@@ -10982,7 +10982,7 @@
                                       <p:cBhvr>
                                         <p:cTn id="55" dur="1000"/>
                                         <p:tgtEl>
-                                          <p:spTgt spid="23"/>
+                                          <p:spTgt spid="25"/>
                                         </p:tgtEl>
                                       </p:cBhvr>
                                     </p:animEffect>
@@ -11003,7 +11003,7 @@
                                           </p:stCondLst>
                                         </p:cTn>
                                         <p:tgtEl>
-                                          <p:spTgt spid="24"/>
+                                          <p:spTgt spid="26"/>
                                         </p:tgtEl>
                                         <p:attrNameLst>
                                           <p:attrName>style.visibility</p:attrName>
@@ -11017,7 +11017,7 @@
                                       <p:cBhvr>
                                         <p:cTn id="58" dur="1000"/>
                                         <p:tgtEl>
-                                          <p:spTgt spid="24"/>
+                                          <p:spTgt spid="26"/>
                                         </p:tgtEl>
                                       </p:cBhvr>
                                     </p:animEffect>
@@ -11038,7 +11038,7 @@
                                           </p:stCondLst>
                                         </p:cTn>
                                         <p:tgtEl>
-                                          <p:spTgt spid="25"/>
+                                          <p:spTgt spid="27"/>
                                         </p:tgtEl>
                                         <p:attrNameLst>
                                           <p:attrName>style.visibility</p:attrName>
@@ -11052,7 +11052,7 @@
                                       <p:cBhvr>
                                         <p:cTn id="61" dur="1000"/>
                                         <p:tgtEl>
-                                          <p:spTgt spid="25"/>
+                                          <p:spTgt spid="27"/>
                                         </p:tgtEl>
                                       </p:cBhvr>
                                     </p:animEffect>
@@ -11073,7 +11073,7 @@
                                           </p:stCondLst>
                                         </p:cTn>
                                         <p:tgtEl>
-                                          <p:spTgt spid="26"/>
+                                          <p:spTgt spid="29"/>
                                         </p:tgtEl>
                                         <p:attrNameLst>
                                           <p:attrName>style.visibility</p:attrName>
@@ -11087,28 +11087,46 @@
                                       <p:cBhvr>
                                         <p:cTn id="64" dur="1000"/>
                                         <p:tgtEl>
-                                          <p:spTgt spid="26"/>
+                                          <p:spTgt spid="29"/>
                                         </p:tgtEl>
                                       </p:cBhvr>
                                     </p:animEffect>
                                   </p:childTnLst>
                                 </p:cTn>
                               </p:par>
+                            </p:childTnLst>
+                          </p:cTn>
+                        </p:par>
+                      </p:childTnLst>
+                    </p:cTn>
+                  </p:par>
+                  <p:par>
+                    <p:cTn id="65" fill="hold">
+                      <p:stCondLst>
+                        <p:cond delay="indefinite"/>
+                      </p:stCondLst>
+                      <p:childTnLst>
+                        <p:par>
+                          <p:cTn id="66" fill="hold">
+                            <p:stCondLst>
+                              <p:cond delay="0"/>
+                            </p:stCondLst>
+                            <p:childTnLst>
                               <p:par>
-                                <p:cTn id="65" presetID="9" presetClass="entr" presetSubtype="0" fill="hold" grpId="0" nodeType="withEffect">
+                                <p:cTn id="67" presetID="9" presetClass="entr" presetSubtype="0" fill="hold" grpId="0" nodeType="clickEffect">
                                   <p:stCondLst>
                                     <p:cond delay="0"/>
                                   </p:stCondLst>
                                   <p:childTnLst>
                                     <p:set>
                                       <p:cBhvr>
-                                        <p:cTn id="66" dur="1" fill="hold">
+                                        <p:cTn id="68" dur="1" fill="hold">
                                           <p:stCondLst>
                                             <p:cond delay="0"/>
                                           </p:stCondLst>
                                         </p:cTn>
                                         <p:tgtEl>
-                                          <p:spTgt spid="27"/>
+                                          <p:spTgt spid="21"/>
                                         </p:tgtEl>
                                         <p:attrNameLst>
                                           <p:attrName>style.visibility</p:attrName>
@@ -11120,9 +11138,9 @@
                                     </p:set>
                                     <p:animEffect transition="in" filter="dissolve">
                                       <p:cBhvr>
-                                        <p:cTn id="67" dur="1000"/>
+                                        <p:cTn id="69" dur="500"/>
                                         <p:tgtEl>
-                                          <p:spTgt spid="27"/>
+                                          <p:spTgt spid="21"/>
                                         </p:tgtEl>
                                       </p:cBhvr>
                                     </p:animEffect>
@@ -11130,14 +11148,49 @@
                                 </p:cTn>
                               </p:par>
                               <p:par>
-                                <p:cTn id="68" presetID="9" presetClass="entr" presetSubtype="0" fill="hold" grpId="0" nodeType="withEffect">
+                                <p:cTn id="70" presetID="9" presetClass="entr" presetSubtype="0" fill="hold" grpId="0" nodeType="withEffect">
                                   <p:stCondLst>
                                     <p:cond delay="0"/>
                                   </p:stCondLst>
                                   <p:childTnLst>
                                     <p:set>
                                       <p:cBhvr>
-                                        <p:cTn id="69" dur="1" fill="hold">
+                                        <p:cTn id="71" dur="1" fill="hold">
+                                          <p:stCondLst>
+                                            <p:cond delay="0"/>
+                                          </p:stCondLst>
+                                        </p:cTn>
+                                        <p:tgtEl>
+                                          <p:spTgt spid="22"/>
+                                        </p:tgtEl>
+                                        <p:attrNameLst>
+                                          <p:attrName>style.visibility</p:attrName>
+                                        </p:attrNameLst>
+                                      </p:cBhvr>
+                                      <p:to>
+                                        <p:strVal val="visible"/>
+                                      </p:to>
+                                    </p:set>
+                                    <p:animEffect transition="in" filter="dissolve">
+                                      <p:cBhvr>
+                                        <p:cTn id="72" dur="500"/>
+                                        <p:tgtEl>
+                                          <p:spTgt spid="22"/>
+                                        </p:tgtEl>
+                                      </p:cBhvr>
+                                    </p:animEffect>
+                                  </p:childTnLst>
+                                </p:cTn>
+                              </p:par>
+                              <p:par>
+                                <p:cTn id="73" presetID="9" presetClass="entr" presetSubtype="0" fill="hold" grpId="0" nodeType="withEffect">
+                                  <p:stCondLst>
+                                    <p:cond delay="0"/>
+                                  </p:stCondLst>
+                                  <p:childTnLst>
+                                    <p:set>
+                                      <p:cBhvr>
+                                        <p:cTn id="74" dur="1" fill="hold">
                                           <p:stCondLst>
                                             <p:cond delay="0"/>
                                           </p:stCondLst>
@@ -11155,44 +11208,9 @@
                                     </p:set>
                                     <p:animEffect transition="in" filter="dissolve">
                                       <p:cBhvr>
-                                        <p:cTn id="70" dur="1000"/>
+                                        <p:cTn id="75" dur="500"/>
                                         <p:tgtEl>
                                           <p:spTgt spid="28"/>
-                                        </p:tgtEl>
-                                      </p:cBhvr>
-                                    </p:animEffect>
-                                  </p:childTnLst>
-                                </p:cTn>
-                              </p:par>
-                              <p:par>
-                                <p:cTn id="71" presetID="9" presetClass="entr" presetSubtype="0" fill="hold" grpId="0" nodeType="withEffect">
-                                  <p:stCondLst>
-                                    <p:cond delay="0"/>
-                                  </p:stCondLst>
-                                  <p:childTnLst>
-                                    <p:set>
-                                      <p:cBhvr>
-                                        <p:cTn id="72" dur="1" fill="hold">
-                                          <p:stCondLst>
-                                            <p:cond delay="0"/>
-                                          </p:stCondLst>
-                                        </p:cTn>
-                                        <p:tgtEl>
-                                          <p:spTgt spid="29"/>
-                                        </p:tgtEl>
-                                        <p:attrNameLst>
-                                          <p:attrName>style.visibility</p:attrName>
-                                        </p:attrNameLst>
-                                      </p:cBhvr>
-                                      <p:to>
-                                        <p:strVal val="visible"/>
-                                      </p:to>
-                                    </p:set>
-                                    <p:animEffect transition="in" filter="dissolve">
-                                      <p:cBhvr>
-                                        <p:cTn id="73" dur="1000"/>
-                                        <p:tgtEl>
-                                          <p:spTgt spid="29"/>
                                         </p:tgtEl>
                                       </p:cBhvr>
                                     </p:animEffect>
@@ -11432,7 +11450,7 @@
         <p:spPr>
           <a:xfrm>
             <a:off x="696767" y="1097958"/>
-            <a:ext cx="9834969" cy="5093662"/>
+            <a:ext cx="9834969" cy="4755108"/>
           </a:xfrm>
           <a:prstGeom prst="rect">
             <a:avLst/>
@@ -12258,7 +12276,7 @@
               <a:t>.” </a:t>
             </a:r>
             <a:r>
-              <a:rPr lang="es-ES" sz="1100" dirty="0" err="1">
+              <a:rPr lang="es-ES" sz="1100" i="1" dirty="0" err="1">
                 <a:solidFill>
                   <a:schemeClr val="lt1"/>
                 </a:solidFill>
@@ -12269,6 +12287,39 @@
               <a:t>Frontiers</a:t>
             </a:r>
             <a:r>
+              <a:rPr lang="es-ES" sz="1100" i="1" dirty="0">
+                <a:solidFill>
+                  <a:schemeClr val="lt1"/>
+                </a:solidFill>
+                <a:latin typeface="Fira Code Medium" panose="020B0809050000020004" pitchFamily="49" charset="0"/>
+                <a:ea typeface="Fira Code Medium" panose="020B0809050000020004" pitchFamily="49" charset="0"/>
+                <a:cs typeface="Fira Code Medium" panose="020B0809050000020004" pitchFamily="49" charset="0"/>
+              </a:rPr>
+              <a:t> in </a:t>
+            </a:r>
+            <a:r>
+              <a:rPr lang="es-ES" sz="1100" i="1" dirty="0" err="1">
+                <a:solidFill>
+                  <a:schemeClr val="lt1"/>
+                </a:solidFill>
+                <a:latin typeface="Fira Code Medium" panose="020B0809050000020004" pitchFamily="49" charset="0"/>
+                <a:ea typeface="Fira Code Medium" panose="020B0809050000020004" pitchFamily="49" charset="0"/>
+                <a:cs typeface="Fira Code Medium" panose="020B0809050000020004" pitchFamily="49" charset="0"/>
+              </a:rPr>
+              <a:t>Education</a:t>
+            </a:r>
+            <a:r>
+              <a:rPr lang="es-ES" sz="1100" i="1" dirty="0">
+                <a:solidFill>
+                  <a:schemeClr val="lt1"/>
+                </a:solidFill>
+                <a:latin typeface="Fira Code Medium" panose="020B0809050000020004" pitchFamily="49" charset="0"/>
+                <a:ea typeface="Fira Code Medium" panose="020B0809050000020004" pitchFamily="49" charset="0"/>
+                <a:cs typeface="Fira Code Medium" panose="020B0809050000020004" pitchFamily="49" charset="0"/>
+              </a:rPr>
+              <a:t> </a:t>
+            </a:r>
+            <a:r>
               <a:rPr lang="es-ES" sz="1100" dirty="0">
                 <a:solidFill>
                   <a:schemeClr val="lt1"/>
@@ -12277,29 +12328,7 @@
                 <a:ea typeface="Fira Code Medium" panose="020B0809050000020004" pitchFamily="49" charset="0"/>
                 <a:cs typeface="Fira Code Medium" panose="020B0809050000020004" pitchFamily="49" charset="0"/>
               </a:rPr>
-              <a:t> in </a:t>
-            </a:r>
-            <a:r>
-              <a:rPr lang="es-ES" sz="1100" dirty="0" err="1">
-                <a:solidFill>
-                  <a:schemeClr val="lt1"/>
-                </a:solidFill>
-                <a:latin typeface="Fira Code Medium" panose="020B0809050000020004" pitchFamily="49" charset="0"/>
-                <a:ea typeface="Fira Code Medium" panose="020B0809050000020004" pitchFamily="49" charset="0"/>
-                <a:cs typeface="Fira Code Medium" panose="020B0809050000020004" pitchFamily="49" charset="0"/>
-              </a:rPr>
-              <a:t>Education</a:t>
-            </a:r>
-            <a:r>
-              <a:rPr lang="es-ES" sz="1100" dirty="0">
-                <a:solidFill>
-                  <a:schemeClr val="lt1"/>
-                </a:solidFill>
-                <a:latin typeface="Fira Code Medium" panose="020B0809050000020004" pitchFamily="49" charset="0"/>
-                <a:ea typeface="Fira Code Medium" panose="020B0809050000020004" pitchFamily="49" charset="0"/>
-                <a:cs typeface="Fira Code Medium" panose="020B0809050000020004" pitchFamily="49" charset="0"/>
-              </a:rPr>
-              <a:t> 8: 1159864.</a:t>
+              <a:t>8: 1159864.</a:t>
             </a:r>
           </a:p>
           <a:p>
@@ -12549,20 +12578,6 @@
             </a:endParaRPr>
           </a:p>
           <a:p>
-            <a:pPr marL="800100" lvl="1" indent="-342900" algn="just">
-              <a:buFont typeface="Symbol" pitchFamily="2" charset="2"/>
-              <a:buChar char=""/>
-            </a:pPr>
-            <a:endParaRPr lang="es-ES" sz="1100" dirty="0">
-              <a:solidFill>
-                <a:schemeClr val="lt1"/>
-              </a:solidFill>
-              <a:latin typeface="Fira Code Medium" panose="020B0809050000020004" pitchFamily="49" charset="0"/>
-              <a:ea typeface="Fira Code Medium" panose="020B0809050000020004" pitchFamily="49" charset="0"/>
-              <a:cs typeface="Fira Code Medium" panose="020B0809050000020004" pitchFamily="49" charset="0"/>
-            </a:endParaRPr>
-          </a:p>
-          <a:p>
             <a:pPr lvl="1" algn="just"/>
             <a:endParaRPr lang="es-ES" sz="1100" dirty="0">
               <a:solidFill>
@@ -12609,7 +12624,62 @@
                 <a:ea typeface="Fira Code Medium" panose="020B0809050000020004" pitchFamily="49" charset="0"/>
                 <a:cs typeface="Fira Code Medium" panose="020B0809050000020004" pitchFamily="49" charset="0"/>
               </a:rPr>
-              <a:t> disponible en GitHub</a:t>
+              <a:t> disponible en GitHub (</a:t>
+            </a:r>
+            <a:r>
+              <a:rPr lang="es-ES_tradnl" sz="1400" b="1" dirty="0">
+                <a:solidFill>
+                  <a:srgbClr val="FFD200"/>
+                </a:solidFill>
+                <a:latin typeface="Fira Code Medium" panose="020B0809050000020004" pitchFamily="49" charset="0"/>
+                <a:ea typeface="Fira Code Medium" panose="020B0809050000020004" pitchFamily="49" charset="0"/>
+                <a:cs typeface="Fira Code Medium" panose="020B0809050000020004" pitchFamily="49" charset="0"/>
+              </a:rPr>
+              <a:t>https://</a:t>
+            </a:r>
+            <a:r>
+              <a:rPr lang="es-ES_tradnl" sz="1400" b="1" dirty="0" err="1">
+                <a:solidFill>
+                  <a:srgbClr val="FFD200"/>
+                </a:solidFill>
+                <a:latin typeface="Fira Code Medium" panose="020B0809050000020004" pitchFamily="49" charset="0"/>
+                <a:ea typeface="Fira Code Medium" panose="020B0809050000020004" pitchFamily="49" charset="0"/>
+                <a:cs typeface="Fira Code Medium" panose="020B0809050000020004" pitchFamily="49" charset="0"/>
+              </a:rPr>
+              <a:t>github.com</a:t>
+            </a:r>
+            <a:r>
+              <a:rPr lang="es-ES_tradnl" sz="1400" b="1" dirty="0">
+                <a:solidFill>
+                  <a:srgbClr val="FFD200"/>
+                </a:solidFill>
+                <a:latin typeface="Fira Code Medium" panose="020B0809050000020004" pitchFamily="49" charset="0"/>
+                <a:ea typeface="Fira Code Medium" panose="020B0809050000020004" pitchFamily="49" charset="0"/>
+                <a:cs typeface="Fira Code Medium" panose="020B0809050000020004" pitchFamily="49" charset="0"/>
+              </a:rPr>
+              <a:t>/f8l5h9/</a:t>
+            </a:r>
+            <a:r>
+              <a:rPr lang="es-ES_tradnl" sz="1400" b="1" dirty="0" err="1">
+                <a:solidFill>
+                  <a:srgbClr val="FFD200"/>
+                </a:solidFill>
+                <a:latin typeface="Fira Code Medium" panose="020B0809050000020004" pitchFamily="49" charset="0"/>
+                <a:ea typeface="Fira Code Medium" panose="020B0809050000020004" pitchFamily="49" charset="0"/>
+                <a:cs typeface="Fira Code Medium" panose="020B0809050000020004" pitchFamily="49" charset="0"/>
+              </a:rPr>
+              <a:t>UniversiDATA</a:t>
+            </a:r>
+            <a:r>
+              <a:rPr lang="es-ES_tradnl" sz="2000" b="1" dirty="0">
+                <a:solidFill>
+                  <a:schemeClr val="lt1"/>
+                </a:solidFill>
+                <a:latin typeface="Fira Code Medium" panose="020B0809050000020004" pitchFamily="49" charset="0"/>
+                <a:ea typeface="Fira Code Medium" panose="020B0809050000020004" pitchFamily="49" charset="0"/>
+                <a:cs typeface="Fira Code Medium" panose="020B0809050000020004" pitchFamily="49" charset="0"/>
+              </a:rPr>
+              <a:t>)</a:t>
             </a:r>
             <a:endParaRPr lang="es-ES" sz="2000" b="1" dirty="0">
               <a:solidFill>
@@ -12959,7 +13029,7 @@
                 <a:ea typeface="Fira Code Medium" panose="020B0809050000020004" pitchFamily="49" charset="0"/>
                 <a:cs typeface="Fira Code Medium" panose="020B0809050000020004" pitchFamily="49" charset="0"/>
               </a:rPr>
-              <a:t>Es el mayor conjunto de datos universitarios a nivel mundial.</a:t>
+              <a:t>Es el mayor conjunto de datos universitarios a nivel mundial</a:t>
             </a:r>
           </a:p>
           <a:p>
@@ -13015,14 +13085,11 @@
                 <a:ea typeface="Fira Code Medium" panose="020B0809050000020004" pitchFamily="49" charset="0"/>
                 <a:cs typeface="Fira Code Medium" panose="020B0809050000020004" pitchFamily="49" charset="0"/>
               </a:rPr>
-              <a:t> (reduce la capacidad)</a:t>
-            </a:r>
-          </a:p>
-          <a:p>
-            <a:pPr marL="342900" indent="-342900" algn="just">
-              <a:buFont typeface="Arial" panose="020B0604020202020204" pitchFamily="34" charset="0"/>
-              <a:buChar char="•"/>
-            </a:pPr>
+              <a:t> (reduce la capacidad predictiva)</a:t>
+            </a:r>
+          </a:p>
+          <a:p>
+            <a:pPr algn="just"/>
             <a:endParaRPr lang="es-ES" sz="2000" b="1" dirty="0">
               <a:solidFill>
                 <a:schemeClr val="lt1"/>
@@ -13046,16 +13113,18 @@
                 <a:ea typeface="Fira Code Medium" panose="020B0809050000020004" pitchFamily="49" charset="0"/>
                 <a:cs typeface="Fira Code Medium" panose="020B0809050000020004" pitchFamily="49" charset="0"/>
               </a:rPr>
-              <a:t>Solo estudiantes de 1º Grado (</a:t>
-            </a:r>
-            <a:r>
-              <a:rPr lang="es-ES" sz="2000" dirty="0">
+              <a:t>Solo estudiantes de 1º Grado (abandono </a:t>
+            </a:r>
+            <a:r>
+              <a:rPr lang="es-ES" sz="2000" b="1" dirty="0">
                 <a:solidFill>
                   <a:srgbClr val="FFD200"/>
                 </a:solidFill>
-                <a:latin typeface="Fira Sans Medium" panose="020B0603050000020004" pitchFamily="34" charset="0"/>
-              </a:rPr>
-              <a:t>⇧ </a:t>
+                <a:latin typeface="Fira Code Medium" panose="020B0809050000020004" pitchFamily="49" charset="0"/>
+                <a:ea typeface="Fira Code Medium" panose="020B0809050000020004" pitchFamily="49" charset="0"/>
+                <a:cs typeface="Fira Code Medium" panose="020B0809050000020004" pitchFamily="49" charset="0"/>
+              </a:rPr>
+              <a:t>⬆</a:t>
             </a:r>
             <a:r>
               <a:rPr lang="es-ES" sz="2000" b="1" dirty="0">
@@ -13066,7 +13135,7 @@
                 <a:ea typeface="Fira Code Medium" panose="020B0809050000020004" pitchFamily="49" charset="0"/>
                 <a:cs typeface="Fira Code Medium" panose="020B0809050000020004" pitchFamily="49" charset="0"/>
               </a:rPr>
-              <a:t>abandono)</a:t>
+              <a:t>)</a:t>
             </a:r>
           </a:p>
           <a:p>
@@ -14117,7 +14186,7 @@
                 <a:cs typeface="Fira Code Light" panose="020B0809050000020004" pitchFamily="49" charset="0"/>
                 <a:sym typeface="Fira Sans Medium"/>
               </a:rPr>
-              <a:t>número estudiantes acceden titulación</a:t>
+              <a:t>Número estudiantes acceden titulación</a:t>
             </a:r>
           </a:p>
           <a:p>
@@ -14249,7 +14318,7 @@
                 <a:cs typeface="Fira Code Light" panose="020B0809050000020004" pitchFamily="49" charset="0"/>
                 <a:sym typeface="Fira Sans Medium"/>
               </a:rPr>
-              <a:t>% madres con estudios universitarios acceso a la titulación</a:t>
+              <a:t>% Madres con estudios universitarios acceso a la titulación</a:t>
             </a:r>
           </a:p>
           <a:p>
@@ -14291,7 +14360,7 @@
                 <a:cs typeface="Fira Code Light" panose="020B0809050000020004" pitchFamily="49" charset="0"/>
                 <a:sym typeface="Fira Sans Medium"/>
               </a:rPr>
-              <a:t>% padres con estudios universitarios acceso a la titulación</a:t>
+              <a:t>% Padres con estudios universitarios acceso a la titulación</a:t>
             </a:r>
           </a:p>
         </p:txBody>
@@ -14406,7 +14475,7 @@
                 <a:cs typeface="Fira Code Light" panose="020B0809050000020004" pitchFamily="49" charset="0"/>
                 <a:sym typeface="Fira Sans Medium"/>
               </a:rPr>
-              <a:t>% profesores asociados</a:t>
+              <a:t>% Profesores asociados</a:t>
             </a:r>
           </a:p>
         </p:txBody>
@@ -14425,7 +14494,7 @@
         </p:nvSpPr>
         <p:spPr>
           <a:xfrm>
-            <a:off x="1879780" y="1672537"/>
+            <a:off x="1831985" y="1705077"/>
             <a:ext cx="1672224" cy="369332"/>
           </a:xfrm>
           <a:prstGeom prst="rect">
@@ -14513,7 +14582,7 @@
         </p:nvSpPr>
         <p:spPr>
           <a:xfrm>
-            <a:off x="1791220" y="3991892"/>
+            <a:off x="1831985" y="4002856"/>
             <a:ext cx="1672224" cy="369332"/>
           </a:xfrm>
           <a:prstGeom prst="rect">
@@ -14557,7 +14626,7 @@
         </p:nvSpPr>
         <p:spPr>
           <a:xfrm>
-            <a:off x="1699087" y="5212621"/>
+            <a:off x="1831985" y="5185463"/>
             <a:ext cx="2098385" cy="369332"/>
           </a:xfrm>
           <a:prstGeom prst="rect">
@@ -14922,7 +14991,7 @@
         </p:nvSpPr>
         <p:spPr>
           <a:xfrm>
-            <a:off x="874023" y="1431007"/>
+            <a:off x="874023" y="1809378"/>
             <a:ext cx="10730436" cy="3477835"/>
           </a:xfrm>
           <a:prstGeom prst="rect">
@@ -15316,6 +15385,36 @@
           <a:chExt cx="0" cy="0"/>
         </a:xfrm>
       </p:grpSpPr>
+      <p:pic>
+        <p:nvPicPr>
+          <p:cNvPr id="10" name="Imagen 9">
+            <a:extLst>
+              <a:ext uri="{FF2B5EF4-FFF2-40B4-BE49-F238E27FC236}">
+                <a16:creationId xmlns:a16="http://schemas.microsoft.com/office/drawing/2014/main" id="{C7092BF7-187D-8847-9B0C-67FE1C3D4274}"/>
+              </a:ext>
+            </a:extLst>
+          </p:cNvPr>
+          <p:cNvPicPr>
+            <a:picLocks noChangeAspect="1"/>
+          </p:cNvPicPr>
+          <p:nvPr/>
+        </p:nvPicPr>
+        <p:blipFill>
+          <a:blip r:embed="rId2"/>
+          <a:stretch>
+            <a:fillRect/>
+          </a:stretch>
+        </p:blipFill>
+        <p:spPr>
+          <a:xfrm>
+            <a:off x="4811919" y="0"/>
+            <a:ext cx="5890267" cy="6076521"/>
+          </a:xfrm>
+          <a:prstGeom prst="rect">
+            <a:avLst/>
+          </a:prstGeom>
+        </p:spPr>
+      </p:pic>
       <p:sp>
         <p:nvSpPr>
           <p:cNvPr id="4" name="Google Shape;100;p3">
@@ -15433,7 +15532,7 @@
           <p:nvPr/>
         </p:nvPicPr>
         <p:blipFill>
-          <a:blip r:embed="rId2">
+          <a:blip r:embed="rId3">
             <a:extLst>
               <a:ext uri="{28A0092B-C50C-407E-A947-70E740481C1C}">
                 <a14:useLocalDpi xmlns:a14="http://schemas.microsoft.com/office/drawing/2010/main" val="0"/>
@@ -15468,8 +15567,8 @@
         </p:nvSpPr>
         <p:spPr>
           <a:xfrm>
-            <a:off x="874023" y="1431007"/>
-            <a:ext cx="10730436" cy="4524275"/>
+            <a:off x="789940" y="875876"/>
+            <a:ext cx="3828686" cy="1200288"/>
           </a:xfrm>
           <a:prstGeom prst="rect">
             <a:avLst/>
@@ -15490,22 +15589,16 @@
               <a:buChar char="•"/>
             </a:pPr>
             <a:r>
-              <a:rPr lang="es-ES" sz="2400" b="1" dirty="0">
-                <a:solidFill>
-                  <a:schemeClr val="lt1"/>
-                </a:solidFill>
-                <a:latin typeface="Fira Code Medium" panose="020B0809050000020004" pitchFamily="49" charset="0"/>
-                <a:ea typeface="Fira Code Medium" panose="020B0809050000020004" pitchFamily="49" charset="0"/>
-                <a:cs typeface="Fira Code Medium" panose="020B0809050000020004" pitchFamily="49" charset="0"/>
-              </a:rPr>
-              <a:t>203.941 estudiantes de 1ºGrado de 5 universidades en 6 cursos académicos</a:t>
-            </a:r>
-          </a:p>
-          <a:p>
-            <a:pPr marL="342900" indent="-342900" algn="just">
-              <a:buFont typeface="Arial" panose="020B0604020202020204" pitchFamily="34" charset="0"/>
-              <a:buChar char="•"/>
-            </a:pPr>
+              <a:rPr lang="es-ES" b="1" dirty="0">
+                <a:solidFill>
+                  <a:schemeClr val="lt1"/>
+                </a:solidFill>
+                <a:latin typeface="Fira Code Medium" panose="020B0809050000020004" pitchFamily="49" charset="0"/>
+                <a:ea typeface="Fira Code Medium" panose="020B0809050000020004" pitchFamily="49" charset="0"/>
+                <a:cs typeface="Fira Code Medium" panose="020B0809050000020004" pitchFamily="49" charset="0"/>
+              </a:rPr>
+              <a:t>Población 203.941 estudiantes de 1ºGrado de 5 universidades en 6 cursos académicos</a:t>
+            </a:r>
             <a:endParaRPr lang="es-ES" sz="2400" b="1" dirty="0">
               <a:solidFill>
                 <a:schemeClr val="lt1"/>
@@ -15515,165 +15608,6 @@
               <a:cs typeface="Fira Code Medium" panose="020B0809050000020004" pitchFamily="49" charset="0"/>
             </a:endParaRPr>
           </a:p>
-          <a:p>
-            <a:pPr marL="342900" indent="-342900" algn="just">
-              <a:buFont typeface="Arial" panose="020B0604020202020204" pitchFamily="34" charset="0"/>
-              <a:buChar char="•"/>
-            </a:pPr>
-            <a:r>
-              <a:rPr lang="es-ES" sz="2400" b="1" dirty="0">
-                <a:solidFill>
-                  <a:schemeClr val="lt1"/>
-                </a:solidFill>
-                <a:latin typeface="Fira Code Medium" panose="020B0809050000020004" pitchFamily="49" charset="0"/>
-                <a:ea typeface="Fira Code Medium" panose="020B0809050000020004" pitchFamily="49" charset="0"/>
-                <a:cs typeface="Fira Code Medium" panose="020B0809050000020004" pitchFamily="49" charset="0"/>
-              </a:rPr>
-              <a:t>MARS vs RF</a:t>
-            </a:r>
-          </a:p>
-          <a:p>
-            <a:pPr marL="342900" indent="-342900" algn="just">
-              <a:buFont typeface="Arial" panose="020B0604020202020204" pitchFamily="34" charset="0"/>
-              <a:buChar char="•"/>
-            </a:pPr>
-            <a:endParaRPr lang="es-ES" sz="2400" b="1" dirty="0">
-              <a:solidFill>
-                <a:schemeClr val="lt1"/>
-              </a:solidFill>
-              <a:latin typeface="Fira Code Medium" panose="020B0809050000020004" pitchFamily="49" charset="0"/>
-              <a:ea typeface="Fira Code Medium" panose="020B0809050000020004" pitchFamily="49" charset="0"/>
-              <a:cs typeface="Fira Code Medium" panose="020B0809050000020004" pitchFamily="49" charset="0"/>
-            </a:endParaRPr>
-          </a:p>
-          <a:p>
-            <a:pPr marL="342900" indent="-342900" algn="just">
-              <a:buFont typeface="Arial" panose="020B0604020202020204" pitchFamily="34" charset="0"/>
-              <a:buChar char="•"/>
-            </a:pPr>
-            <a:r>
-              <a:rPr lang="es-ES" sz="2400" b="1" dirty="0">
-                <a:solidFill>
-                  <a:schemeClr val="lt1"/>
-                </a:solidFill>
-                <a:latin typeface="Fira Code Medium" panose="020B0809050000020004" pitchFamily="49" charset="0"/>
-                <a:ea typeface="Fira Code Medium" panose="020B0809050000020004" pitchFamily="49" charset="0"/>
-                <a:cs typeface="Fira Code Medium" panose="020B0809050000020004" pitchFamily="49" charset="0"/>
-              </a:rPr>
-              <a:t>(Y=abandono 1/0; </a:t>
-            </a:r>
-            <a:r>
-              <a:rPr lang="es-ES" sz="2400" b="1" dirty="0" err="1">
-                <a:solidFill>
-                  <a:schemeClr val="lt1"/>
-                </a:solidFill>
-                <a:latin typeface="Fira Code Medium" panose="020B0809050000020004" pitchFamily="49" charset="0"/>
-                <a:ea typeface="Fira Code Medium" panose="020B0809050000020004" pitchFamily="49" charset="0"/>
-                <a:cs typeface="Fira Code Medium" panose="020B0809050000020004" pitchFamily="49" charset="0"/>
-              </a:rPr>
-              <a:t>Xs</a:t>
-            </a:r>
-            <a:r>
-              <a:rPr lang="es-ES" sz="2400" b="1" dirty="0">
-                <a:solidFill>
-                  <a:schemeClr val="lt1"/>
-                </a:solidFill>
-                <a:latin typeface="Fira Code Medium" panose="020B0809050000020004" pitchFamily="49" charset="0"/>
-                <a:ea typeface="Fira Code Medium" panose="020B0809050000020004" pitchFamily="49" charset="0"/>
-                <a:cs typeface="Fira Code Medium" panose="020B0809050000020004" pitchFamily="49" charset="0"/>
-              </a:rPr>
-              <a:t>=Género; Rama; Doble Grado; Adscrito; Nota mediana; … Estructura Plantilla)</a:t>
-            </a:r>
-          </a:p>
-          <a:p>
-            <a:pPr algn="just"/>
-            <a:r>
-              <a:rPr lang="es-ES" sz="2400" b="1" dirty="0">
-                <a:solidFill>
-                  <a:schemeClr val="lt1"/>
-                </a:solidFill>
-                <a:latin typeface="Fira Code Medium" panose="020B0809050000020004" pitchFamily="49" charset="0"/>
-                <a:ea typeface="Fira Code Medium" panose="020B0809050000020004" pitchFamily="49" charset="0"/>
-                <a:cs typeface="Fira Code Medium" panose="020B0809050000020004" pitchFamily="49" charset="0"/>
-              </a:rPr>
-              <a:t> </a:t>
-            </a:r>
-          </a:p>
-          <a:p>
-            <a:pPr marL="342900" indent="-342900" algn="just">
-              <a:buFont typeface="Arial" panose="020B0604020202020204" pitchFamily="34" charset="0"/>
-              <a:buChar char="•"/>
-            </a:pPr>
-            <a:r>
-              <a:rPr lang="es-ES" sz="2400" b="1" dirty="0">
-                <a:solidFill>
-                  <a:schemeClr val="lt1"/>
-                </a:solidFill>
-                <a:latin typeface="Fira Code Medium" panose="020B0809050000020004" pitchFamily="49" charset="0"/>
-                <a:ea typeface="Fira Code Medium" panose="020B0809050000020004" pitchFamily="49" charset="0"/>
-                <a:cs typeface="Fira Code Medium" panose="020B0809050000020004" pitchFamily="49" charset="0"/>
-              </a:rPr>
-              <a:t>Ejercicio de </a:t>
-            </a:r>
-            <a:r>
-              <a:rPr lang="es-ES" sz="2400" b="1" dirty="0" err="1">
-                <a:solidFill>
-                  <a:schemeClr val="lt1"/>
-                </a:solidFill>
-                <a:latin typeface="Fira Code Medium" panose="020B0809050000020004" pitchFamily="49" charset="0"/>
-                <a:ea typeface="Fira Code Medium" panose="020B0809050000020004" pitchFamily="49" charset="0"/>
-                <a:cs typeface="Fira Code Medium" panose="020B0809050000020004" pitchFamily="49" charset="0"/>
-              </a:rPr>
-              <a:t>trainig</a:t>
-            </a:r>
-            <a:r>
-              <a:rPr lang="es-ES" sz="2400" b="1" dirty="0">
-                <a:solidFill>
-                  <a:schemeClr val="lt1"/>
-                </a:solidFill>
-                <a:latin typeface="Fira Code Medium" panose="020B0809050000020004" pitchFamily="49" charset="0"/>
-                <a:ea typeface="Fira Code Medium" panose="020B0809050000020004" pitchFamily="49" charset="0"/>
-                <a:cs typeface="Fira Code Medium" panose="020B0809050000020004" pitchFamily="49" charset="0"/>
-              </a:rPr>
-              <a:t>-test y búsqueda de </a:t>
-            </a:r>
-            <a:r>
-              <a:rPr lang="es-ES" sz="2400" b="1" dirty="0" err="1">
-                <a:solidFill>
-                  <a:schemeClr val="lt1"/>
-                </a:solidFill>
-                <a:latin typeface="Fira Code Medium" panose="020B0809050000020004" pitchFamily="49" charset="0"/>
-                <a:ea typeface="Fira Code Medium" panose="020B0809050000020004" pitchFamily="49" charset="0"/>
-                <a:cs typeface="Fira Code Medium" panose="020B0809050000020004" pitchFamily="49" charset="0"/>
-              </a:rPr>
-              <a:t>hiperparámetros</a:t>
-            </a:r>
-            <a:r>
-              <a:rPr lang="es-ES" sz="2400" b="1" dirty="0">
-                <a:solidFill>
-                  <a:schemeClr val="lt1"/>
-                </a:solidFill>
-                <a:latin typeface="Fira Code Medium" panose="020B0809050000020004" pitchFamily="49" charset="0"/>
-                <a:ea typeface="Fira Code Medium" panose="020B0809050000020004" pitchFamily="49" charset="0"/>
-                <a:cs typeface="Fira Code Medium" panose="020B0809050000020004" pitchFamily="49" charset="0"/>
-              </a:rPr>
-              <a:t> para mejorar capacidad predictiva  AUC (código R disponible GitHub)</a:t>
-            </a:r>
-          </a:p>
-          <a:p>
-            <a:pPr marL="342900" indent="-342900" algn="just">
-              <a:buFont typeface="Arial" panose="020B0604020202020204" pitchFamily="34" charset="0"/>
-              <a:buChar char="•"/>
-            </a:pPr>
-            <a:endParaRPr lang="es-ES" sz="2400" b="1" dirty="0">
-              <a:solidFill>
-                <a:schemeClr val="lt1"/>
-              </a:solidFill>
-              <a:latin typeface="Fira Code Medium" panose="020B0809050000020004" pitchFamily="49" charset="0"/>
-              <a:ea typeface="Fira Code Medium" panose="020B0809050000020004" pitchFamily="49" charset="0"/>
-              <a:cs typeface="Fira Code Medium" panose="020B0809050000020004" pitchFamily="49" charset="0"/>
-            </a:endParaRPr>
-          </a:p>
         </p:txBody>
       </p:sp>
       <p:pic>
@@ -15691,7 +15625,7 @@
           <p:nvPr/>
         </p:nvPicPr>
         <p:blipFill>
-          <a:blip r:embed="rId3" r:link="rId4">
+          <a:blip r:embed="rId4" r:link="rId5">
             <a:extLst>
               <a:ext uri="{28A0092B-C50C-407E-A947-70E740481C1C}">
                 <a14:useLocalDpi xmlns:a14="http://schemas.microsoft.com/office/drawing/2010/main" val="0"/>
@@ -15780,6 +15714,58 @@
               <a:ea typeface="Fira Code Light" panose="020B0809050000020004" pitchFamily="49" charset="0"/>
               <a:cs typeface="Fira Code Light" panose="020B0809050000020004" pitchFamily="49" charset="0"/>
             </a:endParaRPr>
+          </a:p>
+        </p:txBody>
+      </p:sp>
+      <p:sp>
+        <p:nvSpPr>
+          <p:cNvPr id="5" name="Elipse 4">
+            <a:extLst>
+              <a:ext uri="{FF2B5EF4-FFF2-40B4-BE49-F238E27FC236}">
+                <a16:creationId xmlns:a16="http://schemas.microsoft.com/office/drawing/2014/main" id="{1328EA2A-7451-1C41-BBC8-904B329673A2}"/>
+              </a:ext>
+            </a:extLst>
+          </p:cNvPr>
+          <p:cNvSpPr/>
+          <p:nvPr/>
+        </p:nvSpPr>
+        <p:spPr>
+          <a:xfrm>
+            <a:off x="9725134" y="875876"/>
+            <a:ext cx="695692" cy="597888"/>
+          </a:xfrm>
+          <a:prstGeom prst="ellipse">
+            <a:avLst/>
+          </a:prstGeom>
+          <a:noFill/>
+          <a:ln w="47625">
+            <a:solidFill>
+              <a:srgbClr val="FFD200"/>
+            </a:solidFill>
+          </a:ln>
+        </p:spPr>
+        <p:style>
+          <a:lnRef idx="2">
+            <a:schemeClr val="accent1">
+              <a:shade val="50000"/>
+            </a:schemeClr>
+          </a:lnRef>
+          <a:fillRef idx="1">
+            <a:schemeClr val="accent1"/>
+          </a:fillRef>
+          <a:effectRef idx="0">
+            <a:schemeClr val="accent1"/>
+          </a:effectRef>
+          <a:fontRef idx="minor">
+            <a:schemeClr val="lt1"/>
+          </a:fontRef>
+        </p:style>
+        <p:txBody>
+          <a:bodyPr rtlCol="0" anchor="ctr"/>
+          <a:lstStyle/>
+          <a:p>
+            <a:pPr algn="ctr"/>
+            <a:endParaRPr lang="es-ES"/>
           </a:p>
         </p:txBody>
       </p:sp>
@@ -16049,7 +16035,7 @@
         </p:nvSpPr>
         <p:spPr>
           <a:xfrm>
-            <a:off x="510402" y="2495174"/>
+            <a:off x="548971" y="3250581"/>
             <a:ext cx="7245862" cy="2923877"/>
           </a:xfrm>
           <a:prstGeom prst="rect">
@@ -16714,8 +16700,8 @@
         </p:nvSpPr>
         <p:spPr>
           <a:xfrm>
-            <a:off x="587541" y="894208"/>
-            <a:ext cx="5014473" cy="1477328"/>
+            <a:off x="548971" y="2501483"/>
+            <a:ext cx="6556022" cy="646331"/>
           </a:xfrm>
           <a:prstGeom prst="rect">
             <a:avLst/>
@@ -16741,7 +16727,7 @@
                 <a:ea typeface="Fira Code Medium" panose="020B0809050000020004" pitchFamily="49" charset="0"/>
                 <a:cs typeface="Fira Code Medium" panose="020B0809050000020004" pitchFamily="49" charset="0"/>
               </a:rPr>
-              <a:t>Variables no relevantes</a:t>
+              <a:t>Variables NO relevantes (MARS excluye)</a:t>
             </a:r>
           </a:p>
           <a:p>
@@ -16758,14 +16744,19 @@
                 <a:ea typeface="Fira Code Medium" panose="020B0809050000020004" pitchFamily="49" charset="0"/>
                 <a:cs typeface="Fira Code Medium" panose="020B0809050000020004" pitchFamily="49" charset="0"/>
               </a:rPr>
-              <a:t>Universidad</a:t>
-            </a:r>
-          </a:p>
-          <a:p>
-            <a:pPr marL="800100" lvl="1" indent="-342900" algn="just">
-              <a:buFont typeface="Arial" panose="020B0604020202020204" pitchFamily="34" charset="0"/>
-              <a:buChar char="•"/>
-            </a:pPr>
+              <a:t>Universidad; Nota mínima; Madre </a:t>
+            </a:r>
+            <a:r>
+              <a:rPr lang="es-ES" b="1" dirty="0" err="1">
+                <a:solidFill>
+                  <a:schemeClr val="bg1"/>
+                </a:solidFill>
+                <a:latin typeface="Fira Code Medium" panose="020B0809050000020004" pitchFamily="49" charset="0"/>
+                <a:ea typeface="Fira Code Medium" panose="020B0809050000020004" pitchFamily="49" charset="0"/>
+                <a:cs typeface="Fira Code Medium" panose="020B0809050000020004" pitchFamily="49" charset="0"/>
+              </a:rPr>
+              <a:t>Univ</a:t>
+            </a:r>
             <a:r>
               <a:rPr lang="es-ES" b="1" dirty="0">
                 <a:solidFill>
@@ -16775,63 +16766,7 @@
                 <a:ea typeface="Fira Code Medium" panose="020B0809050000020004" pitchFamily="49" charset="0"/>
                 <a:cs typeface="Fira Code Medium" panose="020B0809050000020004" pitchFamily="49" charset="0"/>
               </a:rPr>
-              <a:t>Nota mínima</a:t>
-            </a:r>
-          </a:p>
-          <a:p>
-            <a:pPr marL="800100" lvl="1" indent="-342900" algn="just">
-              <a:buFont typeface="Arial" panose="020B0604020202020204" pitchFamily="34" charset="0"/>
-              <a:buChar char="•"/>
-            </a:pPr>
-            <a:r>
-              <a:rPr lang="es-ES" b="1" dirty="0">
-                <a:solidFill>
-                  <a:schemeClr val="bg1"/>
-                </a:solidFill>
-                <a:latin typeface="Fira Code Medium" panose="020B0809050000020004" pitchFamily="49" charset="0"/>
-                <a:ea typeface="Fira Code Medium" panose="020B0809050000020004" pitchFamily="49" charset="0"/>
-                <a:cs typeface="Fira Code Medium" panose="020B0809050000020004" pitchFamily="49" charset="0"/>
-              </a:rPr>
-              <a:t>Madre </a:t>
-            </a:r>
-            <a:r>
-              <a:rPr lang="es-ES" b="1" dirty="0" err="1">
-                <a:solidFill>
-                  <a:schemeClr val="bg1"/>
-                </a:solidFill>
-                <a:latin typeface="Fira Code Medium" panose="020B0809050000020004" pitchFamily="49" charset="0"/>
-                <a:ea typeface="Fira Code Medium" panose="020B0809050000020004" pitchFamily="49" charset="0"/>
-                <a:cs typeface="Fira Code Medium" panose="020B0809050000020004" pitchFamily="49" charset="0"/>
-              </a:rPr>
-              <a:t>Univ</a:t>
-            </a:r>
-            <a:r>
-              <a:rPr lang="es-ES" b="1" dirty="0">
-                <a:solidFill>
-                  <a:schemeClr val="bg1"/>
-                </a:solidFill>
-                <a:latin typeface="Fira Code Medium" panose="020B0809050000020004" pitchFamily="49" charset="0"/>
-                <a:ea typeface="Fira Code Medium" panose="020B0809050000020004" pitchFamily="49" charset="0"/>
-                <a:cs typeface="Fira Code Medium" panose="020B0809050000020004" pitchFamily="49" charset="0"/>
-              </a:rPr>
               <a:t> </a:t>
-            </a:r>
-          </a:p>
-          <a:p>
-            <a:pPr marL="342900" indent="-342900" algn="just">
-              <a:buFont typeface="Arial" panose="020B0604020202020204" pitchFamily="34" charset="0"/>
-              <a:buChar char="•"/>
-            </a:pPr>
-            <a:r>
-              <a:rPr lang="es-ES" sz="1800" b="1" dirty="0">
-                <a:solidFill>
-                  <a:schemeClr val="lt1"/>
-                </a:solidFill>
-                <a:latin typeface="Fira Code Medium" panose="020B0809050000020004" pitchFamily="49" charset="0"/>
-                <a:ea typeface="Fira Code Medium" panose="020B0809050000020004" pitchFamily="49" charset="0"/>
-                <a:cs typeface="Fira Code Medium" panose="020B0809050000020004" pitchFamily="49" charset="0"/>
-              </a:rPr>
-              <a:t>🔝</a:t>
             </a:r>
           </a:p>
         </p:txBody>
@@ -16893,6 +16828,130 @@
               <a:ea typeface="Fira Code Light" panose="020B0809050000020004" pitchFamily="49" charset="0"/>
               <a:cs typeface="Fira Code Light" panose="020B0809050000020004" pitchFamily="49" charset="0"/>
             </a:endParaRPr>
+          </a:p>
+        </p:txBody>
+      </p:sp>
+      <p:sp>
+        <p:nvSpPr>
+          <p:cNvPr id="14" name="CuadroTexto 13">
+            <a:extLst>
+              <a:ext uri="{FF2B5EF4-FFF2-40B4-BE49-F238E27FC236}">
+                <a16:creationId xmlns:a16="http://schemas.microsoft.com/office/drawing/2014/main" id="{E7411D0B-F52F-CC46-8E2B-FA7018DACFA2}"/>
+              </a:ext>
+            </a:extLst>
+          </p:cNvPr>
+          <p:cNvSpPr txBox="1"/>
+          <p:nvPr/>
+        </p:nvSpPr>
+        <p:spPr>
+          <a:xfrm>
+            <a:off x="587541" y="1012099"/>
+            <a:ext cx="6863039" cy="923330"/>
+          </a:xfrm>
+          <a:prstGeom prst="rect">
+            <a:avLst/>
+          </a:prstGeom>
+          <a:noFill/>
+        </p:spPr>
+        <p:txBody>
+          <a:bodyPr wrap="square">
+            <a:spAutoFit/>
+          </a:bodyPr>
+          <a:lstStyle/>
+          <a:p>
+            <a:pPr marL="342900" indent="-342900" algn="just">
+              <a:buFont typeface="Arial" panose="020B0604020202020204" pitchFamily="34" charset="0"/>
+              <a:buChar char="•"/>
+            </a:pPr>
+            <a:r>
+              <a:rPr lang="es-ES" sz="1800" b="1" dirty="0">
+                <a:solidFill>
+                  <a:schemeClr val="lt1"/>
+                </a:solidFill>
+                <a:latin typeface="Fira Code Medium" panose="020B0809050000020004" pitchFamily="49" charset="0"/>
+                <a:ea typeface="Fira Code Medium" panose="020B0809050000020004" pitchFamily="49" charset="0"/>
+                <a:cs typeface="Fira Code Medium" panose="020B0809050000020004" pitchFamily="49" charset="0"/>
+              </a:rPr>
+              <a:t>MARS vs RF</a:t>
+            </a:r>
+          </a:p>
+          <a:p>
+            <a:pPr marL="342900" indent="-342900" algn="just">
+              <a:buFont typeface="Arial" panose="020B0604020202020204" pitchFamily="34" charset="0"/>
+              <a:buChar char="•"/>
+            </a:pPr>
+            <a:r>
+              <a:rPr lang="es-ES" sz="1800" b="1" dirty="0">
+                <a:solidFill>
+                  <a:schemeClr val="lt1"/>
+                </a:solidFill>
+                <a:latin typeface="Fira Code Medium" panose="020B0809050000020004" pitchFamily="49" charset="0"/>
+                <a:ea typeface="Fira Code Medium" panose="020B0809050000020004" pitchFamily="49" charset="0"/>
+                <a:cs typeface="Fira Code Medium" panose="020B0809050000020004" pitchFamily="49" charset="0"/>
+              </a:rPr>
+              <a:t>(Y=abandono 1/0; </a:t>
+            </a:r>
+            <a:r>
+              <a:rPr lang="es-ES" sz="1800" b="1" dirty="0" err="1">
+                <a:solidFill>
+                  <a:schemeClr val="lt1"/>
+                </a:solidFill>
+                <a:latin typeface="Fira Code Medium" panose="020B0809050000020004" pitchFamily="49" charset="0"/>
+                <a:ea typeface="Fira Code Medium" panose="020B0809050000020004" pitchFamily="49" charset="0"/>
+                <a:cs typeface="Fira Code Medium" panose="020B0809050000020004" pitchFamily="49" charset="0"/>
+              </a:rPr>
+              <a:t>Xs</a:t>
+            </a:r>
+            <a:r>
+              <a:rPr lang="es-ES" sz="1800" b="1" dirty="0">
+                <a:solidFill>
+                  <a:schemeClr val="lt1"/>
+                </a:solidFill>
+                <a:latin typeface="Fira Code Medium" panose="020B0809050000020004" pitchFamily="49" charset="0"/>
+                <a:ea typeface="Fira Code Medium" panose="020B0809050000020004" pitchFamily="49" charset="0"/>
+                <a:cs typeface="Fira Code Medium" panose="020B0809050000020004" pitchFamily="49" charset="0"/>
+              </a:rPr>
+              <a:t>=)</a:t>
+            </a:r>
+          </a:p>
+          <a:p>
+            <a:pPr marL="342900" indent="-342900" algn="just">
+              <a:buFont typeface="Arial" panose="020B0604020202020204" pitchFamily="34" charset="0"/>
+              <a:buChar char="•"/>
+            </a:pPr>
+            <a:r>
+              <a:rPr lang="es-ES" sz="1800" b="1" dirty="0">
+                <a:solidFill>
+                  <a:schemeClr val="lt1"/>
+                </a:solidFill>
+                <a:latin typeface="Fira Code Medium" panose="020B0809050000020004" pitchFamily="49" charset="0"/>
+                <a:ea typeface="Fira Code Medium" panose="020B0809050000020004" pitchFamily="49" charset="0"/>
+                <a:cs typeface="Fira Code Medium" panose="020B0809050000020004" pitchFamily="49" charset="0"/>
+              </a:rPr>
+              <a:t>Ejercicio de </a:t>
+            </a:r>
+            <a:r>
+              <a:rPr lang="es-ES" sz="1800" b="1" dirty="0" err="1">
+                <a:solidFill>
+                  <a:schemeClr val="lt1"/>
+                </a:solidFill>
+                <a:latin typeface="Fira Code Medium" panose="020B0809050000020004" pitchFamily="49" charset="0"/>
+                <a:ea typeface="Fira Code Medium" panose="020B0809050000020004" pitchFamily="49" charset="0"/>
+                <a:cs typeface="Fira Code Medium" panose="020B0809050000020004" pitchFamily="49" charset="0"/>
+              </a:rPr>
+              <a:t>trainig</a:t>
+            </a:r>
+            <a:r>
+              <a:rPr lang="es-ES" sz="1800" b="1" dirty="0">
+                <a:solidFill>
+                  <a:schemeClr val="lt1"/>
+                </a:solidFill>
+                <a:latin typeface="Fira Code Medium" panose="020B0809050000020004" pitchFamily="49" charset="0"/>
+                <a:ea typeface="Fira Code Medium" panose="020B0809050000020004" pitchFamily="49" charset="0"/>
+                <a:cs typeface="Fira Code Medium" panose="020B0809050000020004" pitchFamily="49" charset="0"/>
+              </a:rPr>
+              <a:t>-test AUC (código GitHub)</a:t>
+            </a:r>
           </a:p>
         </p:txBody>
       </p:sp>
